--- a/Lectures/CS418-Lecture9-BasicMeshing.pptx
+++ b/Lectures/CS418-Lecture9-BasicMeshing.pptx
@@ -238,7 +238,7 @@
           <a:p>
             <a:fld id="{564DAAA6-4117-4992-859F-BAA0EB4FC72C}" type="datetimeFigureOut">
               <a:rPr lang="en-US" smtClean="0"/>
-              <a:t>2/13/2019</a:t>
+              <a:t>9/12/2019</a:t>
             </a:fld>
             <a:endParaRPr lang="en-US"/>
           </a:p>
@@ -893,7 +893,7 @@
           <a:p>
             <a:fld id="{CF64A208-0694-964E-93B1-EAF2C4DF2BAD}" type="datetimeFigureOut">
               <a:rPr lang="en-US" smtClean="0"/>
-              <a:t>2/13/2019</a:t>
+              <a:t>9/12/2019</a:t>
             </a:fld>
             <a:endParaRPr lang="en-US"/>
           </a:p>
@@ -1100,7 +1100,7 @@
             <a:fld id="{CF64A208-0694-964E-93B1-EAF2C4DF2BAD}" type="datetimeFigureOut">
               <a:rPr lang="en-US" smtClean="0"/>
               <a:pPr/>
-              <a:t>2/13/2019</a:t>
+              <a:t>9/12/2019</a:t>
             </a:fld>
             <a:endParaRPr lang="en-US" dirty="0"/>
           </a:p>
@@ -1330,7 +1330,7 @@
             <a:fld id="{CF64A208-0694-964E-93B1-EAF2C4DF2BAD}" type="datetimeFigureOut">
               <a:rPr lang="en-US" smtClean="0"/>
               <a:pPr/>
-              <a:t>2/13/2019</a:t>
+              <a:t>9/12/2019</a:t>
             </a:fld>
             <a:endParaRPr lang="en-US" dirty="0"/>
           </a:p>
@@ -1543,7 +1543,7 @@
           <a:p>
             <a:fld id="{CF64A208-0694-964E-93B1-EAF2C4DF2BAD}" type="datetimeFigureOut">
               <a:rPr lang="en-US" smtClean="0"/>
-              <a:t>2/13/2019</a:t>
+              <a:t>9/12/2019</a:t>
             </a:fld>
             <a:endParaRPr lang="en-US"/>
           </a:p>
@@ -1798,7 +1798,7 @@
             <a:fld id="{CF64A208-0694-964E-93B1-EAF2C4DF2BAD}" type="datetimeFigureOut">
               <a:rPr lang="en-US" smtClean="0"/>
               <a:pPr/>
-              <a:t>2/13/2019</a:t>
+              <a:t>9/12/2019</a:t>
             </a:fld>
             <a:endParaRPr lang="en-US" dirty="0"/>
           </a:p>
@@ -2098,7 +2098,7 @@
           <a:p>
             <a:fld id="{CF64A208-0694-964E-93B1-EAF2C4DF2BAD}" type="datetimeFigureOut">
               <a:rPr lang="en-US" smtClean="0"/>
-              <a:t>2/13/2019</a:t>
+              <a:t>9/12/2019</a:t>
             </a:fld>
             <a:endParaRPr lang="en-US"/>
           </a:p>
@@ -2531,7 +2531,7 @@
             <a:fld id="{CF64A208-0694-964E-93B1-EAF2C4DF2BAD}" type="datetimeFigureOut">
               <a:rPr lang="en-US" smtClean="0"/>
               <a:pPr/>
-              <a:t>2/13/2019</a:t>
+              <a:t>9/12/2019</a:t>
             </a:fld>
             <a:endParaRPr lang="en-US" dirty="0"/>
           </a:p>
@@ -2674,7 +2674,7 @@
             <a:fld id="{CF64A208-0694-964E-93B1-EAF2C4DF2BAD}" type="datetimeFigureOut">
               <a:rPr lang="en-US" smtClean="0"/>
               <a:pPr/>
-              <a:t>2/13/2019</a:t>
+              <a:t>9/12/2019</a:t>
             </a:fld>
             <a:endParaRPr lang="en-US" dirty="0"/>
           </a:p>
@@ -2789,7 +2789,7 @@
             <a:fld id="{CF64A208-0694-964E-93B1-EAF2C4DF2BAD}" type="datetimeFigureOut">
               <a:rPr lang="en-US" smtClean="0"/>
               <a:pPr/>
-              <a:t>2/13/2019</a:t>
+              <a:t>9/12/2019</a:t>
             </a:fld>
             <a:endParaRPr lang="en-US" dirty="0"/>
           </a:p>
@@ -3098,7 +3098,7 @@
             <a:fld id="{CF64A208-0694-964E-93B1-EAF2C4DF2BAD}" type="datetimeFigureOut">
               <a:rPr lang="en-US" smtClean="0"/>
               <a:pPr/>
-              <a:t>2/13/2019</a:t>
+              <a:t>9/12/2019</a:t>
             </a:fld>
             <a:endParaRPr lang="en-US" dirty="0"/>
           </a:p>
@@ -3379,7 +3379,7 @@
             <a:fld id="{CF64A208-0694-964E-93B1-EAF2C4DF2BAD}" type="datetimeFigureOut">
               <a:rPr lang="en-US" smtClean="0"/>
               <a:pPr/>
-              <a:t>2/13/2019</a:t>
+              <a:t>9/12/2019</a:t>
             </a:fld>
             <a:endParaRPr lang="en-US" dirty="0"/>
           </a:p>
@@ -3603,7 +3603,7 @@
           <a:p>
             <a:fld id="{CF64A208-0694-964E-93B1-EAF2C4DF2BAD}" type="datetimeFigureOut">
               <a:rPr lang="en-US" smtClean="0"/>
-              <a:t>2/13/2019</a:t>
+              <a:t>9/12/2019</a:t>
             </a:fld>
             <a:endParaRPr lang="en-US"/>
           </a:p>
@@ -12286,7 +12286,7 @@
           <a:p>
             <a:r>
               <a:rPr lang="en-US" sz="2000" dirty="0"/>
-              <a:t>Rasterization engines typically rely on polygonal meshes (specifically triangle meshes) to represent surfaces</a:t>
+              <a:t>Rasterization engines typically rely on polygonal meshes (usually triangle meshes) to represent surfaces</a:t>
             </a:r>
           </a:p>
           <a:p>
@@ -14245,19 +14245,7 @@
               <a:rPr lang="en-US" dirty="0">
                 <a:latin typeface="Comic Sans MS" panose="030F0702030302020204" pitchFamily="66" charset="0"/>
               </a:rPr>
-              <a:t>Generally have poor visual quality in most browser </a:t>
-            </a:r>
-            <a:r>
-              <a:rPr lang="en-US" dirty="0" err="1">
-                <a:latin typeface="Comic Sans MS" panose="030F0702030302020204" pitchFamily="66" charset="0"/>
-              </a:rPr>
-              <a:t>implemenations</a:t>
-            </a:r>
-            <a:r>
-              <a:rPr lang="en-US" dirty="0">
-                <a:latin typeface="Comic Sans MS" panose="030F0702030302020204" pitchFamily="66" charset="0"/>
-              </a:rPr>
-              <a:t>….people often use triangle strips instead.</a:t>
+              <a:t>Generally have poor visual quality in most browser implementations….people often use triangle strips instead.</a:t>
             </a:r>
           </a:p>
         </p:txBody>
@@ -16592,7 +16580,7 @@
           <a:graphicData uri="http://schemas.openxmlformats.org/presentationml/2006/ole">
             <mc:AlternateContent xmlns:mc="http://schemas.openxmlformats.org/markup-compatibility/2006">
               <mc:Choice xmlns:v="urn:schemas-microsoft-com:vml" Requires="v">
-                <p:oleObj spid="_x0000_s43022" name="Equation" r:id="rId3" imgW="114300" imgH="165100" progId="Equation.3">
+                <p:oleObj spid="_x0000_s43024" name="Equation" r:id="rId3" imgW="114300" imgH="165100" progId="Equation.3">
                   <p:embed/>
                 </p:oleObj>
               </mc:Choice>
@@ -17253,21 +17241,7 @@
                 <a:latin typeface="Lato" panose="020F0502020204030203" pitchFamily="34" charset="0"/>
                 <a:cs typeface="Times New Roman"/>
               </a:rPr>
-              <a:t>Some edges </a:t>
-            </a:r>
-            <a:r>
-              <a:rPr lang="en-US" sz="2400" spc="-14" dirty="0" err="1">
-                <a:latin typeface="Lato" panose="020F0502020204030203" pitchFamily="34" charset="0"/>
-                <a:cs typeface="Times New Roman"/>
-              </a:rPr>
-              <a:t>boundonly</a:t>
-            </a:r>
-            <a:r>
-              <a:rPr lang="en-US" sz="2400" spc="-14" dirty="0">
-                <a:latin typeface="Lato" panose="020F0502020204030203" pitchFamily="34" charset="0"/>
-                <a:cs typeface="Times New Roman"/>
-              </a:rPr>
-              <a:t>  </a:t>
+              <a:t>Some edges bound only  </a:t>
             </a:r>
             <a:r>
               <a:rPr lang="en-US" sz="2400" spc="-9" dirty="0">
@@ -19576,6 +19550,70 @@
           <a:lstStyle/>
           <a:p>
             <a:endParaRPr sz="1632"/>
+          </a:p>
+        </p:txBody>
+      </p:sp>
+      <p:sp>
+        <p:nvSpPr>
+          <p:cNvPr id="4" name="TextBox 3">
+            <a:extLst>
+              <a:ext uri="{FF2B5EF4-FFF2-40B4-BE49-F238E27FC236}">
+                <a16:creationId xmlns:a16="http://schemas.microsoft.com/office/drawing/2014/main" id="{A1846D04-31AB-4CB3-B133-3C7DAA21D3D2}"/>
+              </a:ext>
+            </a:extLst>
+          </p:cNvPr>
+          <p:cNvSpPr txBox="1"/>
+          <p:nvPr/>
+        </p:nvSpPr>
+        <p:spPr>
+          <a:xfrm>
+            <a:off x="9103472" y="5108090"/>
+            <a:ext cx="3004349" cy="923330"/>
+          </a:xfrm>
+          <a:prstGeom prst="rect">
+            <a:avLst/>
+          </a:prstGeom>
+          <a:noFill/>
+          <a:ln>
+            <a:solidFill>
+              <a:schemeClr val="accent1"/>
+            </a:solidFill>
+          </a:ln>
+        </p:spPr>
+        <p:txBody>
+          <a:bodyPr wrap="none" rtlCol="0">
+            <a:spAutoFit/>
+          </a:bodyPr>
+          <a:lstStyle/>
+          <a:p>
+            <a:r>
+              <a:rPr lang="en-US" dirty="0">
+                <a:latin typeface="Comic Sans MS" panose="030F0702030302020204" pitchFamily="66" charset="0"/>
+              </a:rPr>
+              <a:t>The blue and pink meshes </a:t>
+            </a:r>
+            <a:br>
+              <a:rPr lang="en-US" dirty="0">
+                <a:latin typeface="Comic Sans MS" panose="030F0702030302020204" pitchFamily="66" charset="0"/>
+              </a:rPr>
+            </a:br>
+            <a:r>
+              <a:rPr lang="en-US" dirty="0">
+                <a:latin typeface="Comic Sans MS" panose="030F0702030302020204" pitchFamily="66" charset="0"/>
+              </a:rPr>
+              <a:t>above are tetrahedra, like</a:t>
+            </a:r>
+            <a:br>
+              <a:rPr lang="en-US" dirty="0">
+                <a:latin typeface="Comic Sans MS" panose="030F0702030302020204" pitchFamily="66" charset="0"/>
+              </a:rPr>
+            </a:br>
+            <a:r>
+              <a:rPr lang="en-US" dirty="0">
+                <a:latin typeface="Comic Sans MS" panose="030F0702030302020204" pitchFamily="66" charset="0"/>
+              </a:rPr>
+              <a:t>4-sided pyramids</a:t>
+            </a:r>
           </a:p>
         </p:txBody>
       </p:sp>
